--- a/AWS_Automation_Tutorial_Intro.pptx
+++ b/AWS_Automation_Tutorial_Intro.pptx
@@ -5,13 +5,14 @@
     <p:sldMasterId id="2147483648" r:id="rId1"/>
   </p:sldMasterIdLst>
   <p:notesMasterIdLst>
-    <p:notesMasterId r:id="rId6"/>
+    <p:notesMasterId r:id="rId7"/>
   </p:notesMasterIdLst>
   <p:sldIdLst>
     <p:sldId id="261" r:id="rId2"/>
     <p:sldId id="262" r:id="rId3"/>
     <p:sldId id="264" r:id="rId4"/>
-    <p:sldId id="265" r:id="rId5"/>
+    <p:sldId id="266" r:id="rId5"/>
+    <p:sldId id="265" r:id="rId6"/>
   </p:sldIdLst>
   <p:sldSz cx="12192000" cy="6858000"/>
   <p:notesSz cx="6858000" cy="9144000"/>
@@ -200,7 +201,7 @@
           <a:p>
             <a:fld id="{F1526CA4-33C1-AA4F-8A92-0EB9D0326E2C}" type="datetimeFigureOut">
               <a:rPr lang="de-DE" smtClean="0"/>
-              <a:t>31.07.20</a:t>
+              <a:t>10.08.20</a:t>
             </a:fld>
             <a:endParaRPr lang="de-DE"/>
           </a:p>
@@ -617,7 +618,7 @@
           <a:p>
             <a:fld id="{86A81C7E-A40D-3A49-91ED-33427EB082CC}" type="datetime1">
               <a:rPr lang="de-DE" smtClean="0"/>
-              <a:t>31.07.20</a:t>
+              <a:t>10.08.20</a:t>
             </a:fld>
             <a:endParaRPr lang="de-DE"/>
           </a:p>
@@ -820,7 +821,7 @@
           <a:p>
             <a:fld id="{289945F6-E082-4145-8B74-5D7AD452E4F6}" type="datetime1">
               <a:rPr lang="de-DE" smtClean="0"/>
-              <a:t>31.07.20</a:t>
+              <a:t>10.08.20</a:t>
             </a:fld>
             <a:endParaRPr lang="de-DE"/>
           </a:p>
@@ -1033,7 +1034,7 @@
           <a:p>
             <a:fld id="{EF249264-F3DF-834C-BB60-24F93AA74BA2}" type="datetime1">
               <a:rPr lang="de-DE" smtClean="0"/>
-              <a:t>31.07.20</a:t>
+              <a:t>10.08.20</a:t>
             </a:fld>
             <a:endParaRPr lang="de-DE"/>
           </a:p>
@@ -1236,7 +1237,7 @@
           <a:p>
             <a:fld id="{85A80B37-905A-A743-A91C-A605D6B805A7}" type="datetime1">
               <a:rPr lang="de-DE" smtClean="0"/>
-              <a:t>31.07.20</a:t>
+              <a:t>10.08.20</a:t>
             </a:fld>
             <a:endParaRPr lang="de-DE"/>
           </a:p>
@@ -1515,7 +1516,7 @@
           <a:p>
             <a:fld id="{BE3E1D74-D364-5449-A36A-C302575EB181}" type="datetime1">
               <a:rPr lang="de-DE" smtClean="0"/>
-              <a:t>31.07.20</a:t>
+              <a:t>10.08.20</a:t>
             </a:fld>
             <a:endParaRPr lang="de-DE"/>
           </a:p>
@@ -1786,7 +1787,7 @@
           <a:p>
             <a:fld id="{FF5D0593-6FDC-8140-BC70-C88AFB68A612}" type="datetime1">
               <a:rPr lang="de-DE" smtClean="0"/>
-              <a:t>31.07.20</a:t>
+              <a:t>10.08.20</a:t>
             </a:fld>
             <a:endParaRPr lang="de-DE"/>
           </a:p>
@@ -2204,7 +2205,7 @@
           <a:p>
             <a:fld id="{C08EB09B-F677-BF44-BF19-AD91DB0EB4DB}" type="datetime1">
               <a:rPr lang="de-DE" smtClean="0"/>
-              <a:t>31.07.20</a:t>
+              <a:t>10.08.20</a:t>
             </a:fld>
             <a:endParaRPr lang="de-DE"/>
           </a:p>
@@ -2349,7 +2350,7 @@
           <a:p>
             <a:fld id="{AEDDFA77-338F-BD4D-9307-315D5FA0B7EB}" type="datetime1">
               <a:rPr lang="de-DE" smtClean="0"/>
-              <a:t>31.07.20</a:t>
+              <a:t>10.08.20</a:t>
             </a:fld>
             <a:endParaRPr lang="de-DE"/>
           </a:p>
@@ -2465,7 +2466,7 @@
           <a:p>
             <a:fld id="{E830B389-21BF-4C40-9E4C-A52F9A301F14}" type="datetime1">
               <a:rPr lang="de-DE" smtClean="0"/>
-              <a:t>31.07.20</a:t>
+              <a:t>10.08.20</a:t>
             </a:fld>
             <a:endParaRPr lang="de-DE"/>
           </a:p>
@@ -2781,7 +2782,7 @@
           <a:p>
             <a:fld id="{A0030B4D-0DE4-CA4B-823E-7F9BB00E2B8E}" type="datetime1">
               <a:rPr lang="de-DE" smtClean="0"/>
-              <a:t>31.07.20</a:t>
+              <a:t>10.08.20</a:t>
             </a:fld>
             <a:endParaRPr lang="de-DE"/>
           </a:p>
@@ -3073,7 +3074,7 @@
           <a:p>
             <a:fld id="{6F55BEA8-987F-9540-A01F-D683CB078464}" type="datetime1">
               <a:rPr lang="de-DE" smtClean="0"/>
-              <a:t>31.07.20</a:t>
+              <a:t>10.08.20</a:t>
             </a:fld>
             <a:endParaRPr lang="de-DE"/>
           </a:p>
@@ -3327,7 +3328,7 @@
           <a:p>
             <a:fld id="{4FE77377-F83B-1D4C-966D-0FFA75F057E3}" type="datetime1">
               <a:rPr lang="de-DE" smtClean="0"/>
-              <a:t>31.07.20</a:t>
+              <a:t>10.08.20</a:t>
             </a:fld>
             <a:endParaRPr lang="de-DE"/>
           </a:p>
@@ -3850,7 +3851,7 @@
                   <a:srgbClr val="000000"/>
                 </a:highlight>
               </a:rPr>
-              <a:t>31.07.20</a:t>
+              <a:t>10.08.20</a:t>
             </a:fld>
             <a:endParaRPr lang="de-DE" dirty="0">
               <a:highlight>
@@ -4500,63 +4501,65 @@
           <a:lstStyle/>
           <a:p>
             <a:r>
-              <a:rPr lang="en-US" sz="1700"/>
+              <a:rPr lang="en-US" sz="1700" dirty="0"/>
               <a:t>More than ten years experience in programming , application development.</a:t>
             </a:r>
           </a:p>
           <a:p>
             <a:r>
-              <a:rPr lang="en-US" sz="1700"/>
+              <a:rPr lang="en-US" sz="1700" dirty="0"/>
               <a:t>Based in Germany.</a:t>
             </a:r>
           </a:p>
           <a:p>
             <a:r>
-              <a:rPr lang="en-US" sz="1700"/>
+              <a:rPr lang="en-US" sz="1700" dirty="0"/>
               <a:t>At present working as a cyber security expert.</a:t>
             </a:r>
           </a:p>
           <a:p>
             <a:r>
-              <a:rPr lang="en-US" sz="1700"/>
-              <a:t>Started teaching in udemy last year.</a:t>
-            </a:r>
-          </a:p>
-          <a:p>
-            <a:r>
-              <a:rPr lang="en-GB" sz="1700">
+              <a:rPr lang="en-US" sz="1700" dirty="0"/>
+              <a:t>Started teaching in </a:t>
+            </a:r>
+            <a:r>
+              <a:rPr lang="en-GB" sz="1800" dirty="0">
                 <a:hlinkClick r:id="rId2"/>
               </a:rPr>
-              <a:t>https://www.udemy.com/user/ronidas071gmailcom/</a:t>
-            </a:r>
-            <a:endParaRPr lang="en-US" sz="1700"/>
-          </a:p>
-          <a:p>
-            <a:r>
-              <a:rPr lang="en-US" sz="1700"/>
+              <a:t>https://simplivlearning.com/</a:t>
+            </a:r>
+            <a:r>
+              <a:rPr lang="en-GB" sz="1800" dirty="0"/>
+              <a:t> recently</a:t>
+            </a:r>
+            <a:endParaRPr lang="en-US" sz="1700" dirty="0"/>
+          </a:p>
+          <a:p>
+            <a:r>
+              <a:rPr lang="en-US" sz="1700" dirty="0"/>
               <a:t>Mostly focusing on the topics which are not available .</a:t>
             </a:r>
           </a:p>
           <a:p>
             <a:r>
-              <a:rPr lang="en-GB" sz="1700">
+              <a:rPr lang="en-GB" sz="1700" dirty="0">
                 <a:hlinkClick r:id="rId3"/>
               </a:rPr>
               <a:t>https://www.linkedin.com/in/roni-das-08b3b866/</a:t>
             </a:r>
-            <a:endParaRPr lang="en-GB" sz="1700"/>
+            <a:endParaRPr lang="en-GB" sz="1700" dirty="0"/>
           </a:p>
           <a:p>
             <a:pPr marL="0" indent="0">
               <a:buNone/>
             </a:pPr>
-            <a:endParaRPr lang="en-GB" sz="1700"/>
-          </a:p>
-          <a:p>
-            <a:endParaRPr lang="en-GB" sz="1700"/>
-          </a:p>
-          <a:p>
-            <a:endParaRPr lang="en-US" sz="1700"/>
+            <a:endParaRPr lang="en-GB" sz="1700" dirty="0"/>
+          </a:p>
+          <a:p>
+            <a:endParaRPr lang="en-GB" sz="1700" dirty="0"/>
+          </a:p>
+          <a:p>
+            <a:endParaRPr lang="en-US" sz="1700" dirty="0"/>
           </a:p>
         </p:txBody>
       </p:sp>
@@ -4633,7 +4636,7 @@
                   <a:spcPts val="600"/>
                 </a:spcAft>
               </a:pPr>
-              <a:t>7/31/20</a:t>
+              <a:t>8/10/20</a:t>
             </a:fld>
             <a:endParaRPr lang="en-US" sz="1100">
               <a:solidFill>
@@ -5013,7 +5016,7 @@
                   <a:spcPts val="600"/>
                 </a:spcAft>
               </a:pPr>
-              <a:t>7/31/20</a:t>
+              <a:t>8/10/20</a:t>
             </a:fld>
             <a:endParaRPr lang="en-US">
               <a:solidFill>
@@ -5148,7 +5151,7 @@
         </p:spPr>
         <p:txBody>
           <a:bodyPr>
-            <a:normAutofit/>
+            <a:normAutofit lnSpcReduction="10000"/>
           </a:bodyPr>
           <a:lstStyle/>
           <a:p>
@@ -5194,6 +5197,82 @@
               <a:rPr lang="en-US" dirty="0"/>
               <a:t>4.All tutorial will contain source code </a:t>
             </a:r>
+          </a:p>
+          <a:p>
+            <a:pPr marL="0" indent="0">
+              <a:buNone/>
+            </a:pPr>
+            <a:r>
+              <a:rPr lang="en-US" dirty="0"/>
+              <a:t>5.Use case based small and precise tutorial.</a:t>
+            </a:r>
+          </a:p>
+          <a:p>
+            <a:pPr marL="0" indent="0" fontAlgn="base">
+              <a:buNone/>
+            </a:pPr>
+            <a:r>
+              <a:rPr lang="en-US" dirty="0"/>
+              <a:t>6.</a:t>
+            </a:r>
+            <a:r>
+              <a:rPr lang="en-GB" dirty="0"/>
+              <a:t> Make the most of boto3 to automate your infrastructure.</a:t>
+            </a:r>
+          </a:p>
+          <a:p>
+            <a:pPr marL="0" indent="0" fontAlgn="base">
+              <a:buNone/>
+            </a:pPr>
+            <a:r>
+              <a:rPr lang="en-GB" dirty="0"/>
+              <a:t>6.Leverage the power of Python to automate </a:t>
+            </a:r>
+            <a:r>
+              <a:rPr lang="en-GB" dirty="0" err="1"/>
+              <a:t>devops</a:t>
+            </a:r>
+            <a:r>
+              <a:rPr lang="en-GB" dirty="0"/>
+              <a:t> and other tasks with all </a:t>
+            </a:r>
+            <a:r>
+              <a:rPr lang="en-GB" dirty="0" err="1"/>
+              <a:t>aws</a:t>
+            </a:r>
+            <a:r>
+              <a:rPr lang="en-GB" dirty="0"/>
+              <a:t> resources and services.</a:t>
+            </a:r>
+          </a:p>
+          <a:p>
+            <a:pPr marL="0" indent="0" fontAlgn="base">
+              <a:buNone/>
+            </a:pPr>
+            <a:r>
+              <a:rPr lang="en-GB" dirty="0"/>
+              <a:t>7.Efficiently develop your </a:t>
+            </a:r>
+            <a:r>
+              <a:rPr lang="en-GB" dirty="0" err="1"/>
+              <a:t>Python,Aws</a:t>
+            </a:r>
+            <a:r>
+              <a:rPr lang="en-GB" dirty="0"/>
+              <a:t> skill set</a:t>
+            </a:r>
+          </a:p>
+          <a:p>
+            <a:pPr marL="0" indent="0">
+              <a:buNone/>
+            </a:pPr>
+            <a:endParaRPr lang="en-US" dirty="0"/>
+          </a:p>
+          <a:p>
+            <a:pPr marL="0" indent="0">
+              <a:buNone/>
+            </a:pPr>
+            <a:endParaRPr lang="en-US" dirty="0"/>
           </a:p>
         </p:txBody>
       </p:sp>
@@ -5407,7 +5486,7 @@
                   <a:srgbClr val="FFFFFF"/>
                 </a:solidFill>
               </a:rPr>
-              <a:t>Thank You</a:t>
+              <a:t>What you will learn?</a:t>
             </a:r>
           </a:p>
         </p:txBody>
@@ -5456,7 +5535,7 @@
                   <a:spcPts val="600"/>
                 </a:spcAft>
               </a:pPr>
-              <a:t>7/31/20</a:t>
+              <a:t>8/10/20</a:t>
             </a:fld>
             <a:endParaRPr lang="en-US">
               <a:solidFill>
@@ -5558,6 +5637,470 @@
                 </a:spcAft>
               </a:pPr>
               <a:t>4</a:t>
+            </a:fld>
+            <a:endParaRPr lang="en-US">
+              <a:solidFill>
+                <a:srgbClr val="898989"/>
+              </a:solidFill>
+            </a:endParaRPr>
+          </a:p>
+        </p:txBody>
+      </p:sp>
+      <p:sp>
+        <p:nvSpPr>
+          <p:cNvPr id="10" name="Content Placeholder 9">
+            <a:extLst>
+              <a:ext uri="{FF2B5EF4-FFF2-40B4-BE49-F238E27FC236}">
+                <a16:creationId xmlns:a16="http://schemas.microsoft.com/office/drawing/2014/main" id="{95BCFDFF-95BC-D747-9D71-B3F3A6B23819}"/>
+              </a:ext>
+            </a:extLst>
+          </p:cNvPr>
+          <p:cNvSpPr>
+            <a:spLocks noGrp="1"/>
+          </p:cNvSpPr>
+          <p:nvPr>
+            <p:ph idx="1"/>
+          </p:nvPr>
+        </p:nvSpPr>
+        <p:spPr>
+          <a:xfrm>
+            <a:off x="3861786" y="1127463"/>
+            <a:ext cx="8008480" cy="5092361"/>
+          </a:xfrm>
+        </p:spPr>
+        <p:txBody>
+          <a:bodyPr>
+            <a:normAutofit/>
+          </a:bodyPr>
+          <a:lstStyle/>
+          <a:p>
+            <a:pPr fontAlgn="base"/>
+            <a:r>
+              <a:rPr lang="en-GB" dirty="0"/>
+              <a:t>Understand the boto3 module</a:t>
+            </a:r>
+          </a:p>
+          <a:p>
+            <a:pPr fontAlgn="base"/>
+            <a:r>
+              <a:rPr lang="en-GB" dirty="0"/>
+              <a:t>Develop Python scripts to manage Aws services.</a:t>
+            </a:r>
+          </a:p>
+          <a:p>
+            <a:pPr fontAlgn="base"/>
+            <a:r>
+              <a:rPr lang="en-GB" dirty="0"/>
+              <a:t>Automate common </a:t>
+            </a:r>
+            <a:r>
+              <a:rPr lang="en-GB" dirty="0" err="1"/>
+              <a:t>aws</a:t>
+            </a:r>
+            <a:r>
+              <a:rPr lang="en-GB" dirty="0"/>
+              <a:t> administration tasks with python</a:t>
+            </a:r>
+          </a:p>
+          <a:p>
+            <a:pPr fontAlgn="base"/>
+            <a:r>
+              <a:rPr lang="en-GB" dirty="0"/>
+              <a:t>Managing all day to day processes</a:t>
+            </a:r>
+          </a:p>
+          <a:p>
+            <a:pPr fontAlgn="base"/>
+            <a:r>
+              <a:rPr lang="en-GB" dirty="0"/>
+              <a:t>Administrate everything  with Python</a:t>
+            </a:r>
+          </a:p>
+          <a:p>
+            <a:pPr fontAlgn="base"/>
+            <a:r>
+              <a:rPr lang="en-GB" dirty="0"/>
+              <a:t>Security automation and </a:t>
+            </a:r>
+            <a:r>
+              <a:rPr lang="en-GB" dirty="0" err="1"/>
+              <a:t>devops</a:t>
+            </a:r>
+            <a:r>
+              <a:rPr lang="en-GB" dirty="0"/>
+              <a:t> with python</a:t>
+            </a:r>
+            <a:endParaRPr lang="en-US" dirty="0"/>
+          </a:p>
+          <a:p>
+            <a:pPr marL="0" indent="0">
+              <a:buNone/>
+            </a:pPr>
+            <a:endParaRPr lang="en-US" dirty="0"/>
+          </a:p>
+        </p:txBody>
+      </p:sp>
+    </p:spTree>
+    <p:extLst>
+      <p:ext uri="{BB962C8B-B14F-4D97-AF65-F5344CB8AC3E}">
+        <p14:creationId xmlns:p14="http://schemas.microsoft.com/office/powerpoint/2010/main" val="55994896"/>
+      </p:ext>
+    </p:extLst>
+  </p:cSld>
+  <p:clrMapOvr>
+    <a:masterClrMapping/>
+  </p:clrMapOvr>
+</p:sld>
+</file>
+
+<file path=ppt/slides/slide5.xml><?xml version="1.0" encoding="utf-8"?>
+<p:sld xmlns:a="http://schemas.openxmlformats.org/drawingml/2006/main" xmlns:r="http://schemas.openxmlformats.org/officeDocument/2006/relationships" xmlns:p="http://schemas.openxmlformats.org/presentationml/2006/main">
+  <p:cSld>
+    <p:bg>
+      <p:bgPr>
+        <a:solidFill>
+          <a:schemeClr val="bg1"/>
+        </a:solidFill>
+        <a:effectLst/>
+      </p:bgPr>
+    </p:bg>
+    <p:spTree>
+      <p:nvGrpSpPr>
+        <p:cNvPr id="1" name=""/>
+        <p:cNvGrpSpPr/>
+        <p:nvPr/>
+      </p:nvGrpSpPr>
+      <p:grpSpPr>
+        <a:xfrm>
+          <a:off x="0" y="0"/>
+          <a:ext cx="0" cy="0"/>
+          <a:chOff x="0" y="0"/>
+          <a:chExt cx="0" cy="0"/>
+        </a:xfrm>
+      </p:grpSpPr>
+      <p:sp>
+        <p:nvSpPr>
+          <p:cNvPr id="13" name="Rectangle 12">
+            <a:extLst>
+              <a:ext uri="{FF2B5EF4-FFF2-40B4-BE49-F238E27FC236}">
+                <a16:creationId xmlns:a16="http://schemas.microsoft.com/office/drawing/2014/main" id="{6753252F-4873-4F63-801D-CC719279A7D5}"/>
+              </a:ext>
+              <a:ext uri="{C183D7F6-B498-43B3-948B-1728B52AA6E4}">
+                <adec:decorative xmlns:adec="http://schemas.microsoft.com/office/drawing/2017/decorative" val="1"/>
+              </a:ext>
+            </a:extLst>
+          </p:cNvPr>
+          <p:cNvSpPr>
+            <a:spLocks noGrp="1" noRot="1" noChangeAspect="1" noMove="1" noResize="1" noEditPoints="1" noAdjustHandles="1" noChangeArrowheads="1" noChangeShapeType="1" noTextEdit="1"/>
+          </p:cNvSpPr>
+          <p:nvPr>
+            <p:extLst>
+              <p:ext uri="{386F3935-93C4-4BCD-93E2-E3B085C9AB24}">
+                <p16:designElem xmlns:p16="http://schemas.microsoft.com/office/powerpoint/2015/main" val="1"/>
+              </p:ext>
+            </p:extLst>
+          </p:nvPr>
+        </p:nvSpPr>
+        <p:spPr>
+          <a:xfrm>
+            <a:off x="0" y="0"/>
+            <a:ext cx="12192000" cy="6858000"/>
+          </a:xfrm>
+          <a:prstGeom prst="rect">
+            <a:avLst/>
+          </a:prstGeom>
+          <a:solidFill>
+            <a:srgbClr val="FFFFFF"/>
+          </a:solidFill>
+          <a:ln>
+            <a:noFill/>
+          </a:ln>
+        </p:spPr>
+        <p:style>
+          <a:lnRef idx="2">
+            <a:schemeClr val="accent1">
+              <a:shade val="50000"/>
+            </a:schemeClr>
+          </a:lnRef>
+          <a:fillRef idx="1">
+            <a:schemeClr val="accent1"/>
+          </a:fillRef>
+          <a:effectRef idx="0">
+            <a:schemeClr val="accent1"/>
+          </a:effectRef>
+          <a:fontRef idx="minor">
+            <a:schemeClr val="lt1"/>
+          </a:fontRef>
+        </p:style>
+        <p:txBody>
+          <a:bodyPr rtlCol="0" anchor="ctr"/>
+          <a:lstStyle/>
+          <a:p>
+            <a:pPr algn="ctr"/>
+            <a:endParaRPr lang="en-US"/>
+          </a:p>
+        </p:txBody>
+      </p:sp>
+      <p:sp>
+        <p:nvSpPr>
+          <p:cNvPr id="15" name="Rectangle 14">
+            <a:extLst>
+              <a:ext uri="{FF2B5EF4-FFF2-40B4-BE49-F238E27FC236}">
+                <a16:creationId xmlns:a16="http://schemas.microsoft.com/office/drawing/2014/main" id="{047C8CCB-F95D-4249-92DD-651249D3535A}"/>
+              </a:ext>
+              <a:ext uri="{C183D7F6-B498-43B3-948B-1728B52AA6E4}">
+                <adec:decorative xmlns:adec="http://schemas.microsoft.com/office/drawing/2017/decorative" val="1"/>
+              </a:ext>
+            </a:extLst>
+          </p:cNvPr>
+          <p:cNvSpPr>
+            <a:spLocks noGrp="1" noRot="1" noChangeAspect="1" noMove="1" noResize="1" noEditPoints="1" noAdjustHandles="1" noChangeArrowheads="1" noChangeShapeType="1" noTextEdit="1"/>
+          </p:cNvSpPr>
+          <p:nvPr>
+            <p:extLst>
+              <p:ext uri="{386F3935-93C4-4BCD-93E2-E3B085C9AB24}">
+                <p16:designElem xmlns:p16="http://schemas.microsoft.com/office/powerpoint/2015/main" val="1"/>
+              </p:ext>
+            </p:extLst>
+          </p:nvPr>
+        </p:nvSpPr>
+        <p:spPr>
+          <a:xfrm>
+            <a:off x="0" y="0"/>
+            <a:ext cx="2013557" cy="6858000"/>
+          </a:xfrm>
+          <a:prstGeom prst="rect">
+            <a:avLst/>
+          </a:prstGeom>
+          <a:solidFill>
+            <a:srgbClr val="7C5952"/>
+          </a:solidFill>
+          <a:ln>
+            <a:noFill/>
+          </a:ln>
+        </p:spPr>
+        <p:style>
+          <a:lnRef idx="2">
+            <a:schemeClr val="accent1">
+              <a:shade val="50000"/>
+            </a:schemeClr>
+          </a:lnRef>
+          <a:fillRef idx="1">
+            <a:schemeClr val="accent1"/>
+          </a:fillRef>
+          <a:effectRef idx="0">
+            <a:schemeClr val="accent1"/>
+          </a:effectRef>
+          <a:fontRef idx="minor">
+            <a:schemeClr val="lt1"/>
+          </a:fontRef>
+        </p:style>
+        <p:txBody>
+          <a:bodyPr rtlCol="0" anchor="ctr"/>
+          <a:lstStyle/>
+          <a:p>
+            <a:pPr algn="ctr"/>
+            <a:endParaRPr lang="en-US"/>
+          </a:p>
+        </p:txBody>
+      </p:sp>
+      <p:sp>
+        <p:nvSpPr>
+          <p:cNvPr id="2" name="Title 1">
+            <a:extLst>
+              <a:ext uri="{FF2B5EF4-FFF2-40B4-BE49-F238E27FC236}">
+                <a16:creationId xmlns:a16="http://schemas.microsoft.com/office/drawing/2014/main" id="{E1A02F0D-A23B-0E40-A788-AE71D66D943E}"/>
+              </a:ext>
+            </a:extLst>
+          </p:cNvPr>
+          <p:cNvSpPr>
+            <a:spLocks noGrp="1"/>
+          </p:cNvSpPr>
+          <p:nvPr>
+            <p:ph type="title"/>
+          </p:nvPr>
+        </p:nvSpPr>
+        <p:spPr>
+          <a:xfrm>
+            <a:off x="71021" y="1669003"/>
+            <a:ext cx="3790765" cy="3737498"/>
+          </a:xfrm>
+          <a:prstGeom prst="ellipse">
+            <a:avLst/>
+          </a:prstGeom>
+          <a:solidFill>
+            <a:srgbClr val="262626"/>
+          </a:solidFill>
+          <a:ln w="174625" cmpd="thinThick">
+            <a:solidFill>
+              <a:srgbClr val="262626"/>
+            </a:solidFill>
+          </a:ln>
+        </p:spPr>
+        <p:txBody>
+          <a:bodyPr vert="horz" lIns="91440" tIns="45720" rIns="91440" bIns="45720" rtlCol="0" anchor="ctr">
+            <a:normAutofit/>
+          </a:bodyPr>
+          <a:lstStyle/>
+          <a:p>
+            <a:pPr algn="ctr"/>
+            <a:r>
+              <a:rPr lang="en-US" sz="2600" dirty="0">
+                <a:solidFill>
+                  <a:srgbClr val="FFFFFF"/>
+                </a:solidFill>
+              </a:rPr>
+              <a:t>Thank You</a:t>
+            </a:r>
+          </a:p>
+        </p:txBody>
+      </p:sp>
+      <p:sp>
+        <p:nvSpPr>
+          <p:cNvPr id="4" name="Date Placeholder 3">
+            <a:extLst>
+              <a:ext uri="{FF2B5EF4-FFF2-40B4-BE49-F238E27FC236}">
+                <a16:creationId xmlns:a16="http://schemas.microsoft.com/office/drawing/2014/main" id="{E0B8CDB3-DF52-BD40-835E-53C2C836C174}"/>
+              </a:ext>
+            </a:extLst>
+          </p:cNvPr>
+          <p:cNvSpPr>
+            <a:spLocks noGrp="1"/>
+          </p:cNvSpPr>
+          <p:nvPr>
+            <p:ph type="dt" sz="half" idx="10"/>
+          </p:nvPr>
+        </p:nvSpPr>
+        <p:spPr>
+          <a:xfrm>
+            <a:off x="413657" y="6356350"/>
+            <a:ext cx="1480457" cy="365125"/>
+          </a:xfrm>
+        </p:spPr>
+        <p:txBody>
+          <a:bodyPr vert="horz" lIns="91440" tIns="45720" rIns="91440" bIns="45720" rtlCol="0" anchor="ctr">
+            <a:normAutofit/>
+          </a:bodyPr>
+          <a:lstStyle/>
+          <a:p>
+            <a:pPr>
+              <a:spcAft>
+                <a:spcPts val="600"/>
+              </a:spcAft>
+            </a:pPr>
+            <a:fld id="{85A80B37-905A-A743-A91C-A605D6B805A7}" type="datetime1">
+              <a:rPr lang="en-US">
+                <a:solidFill>
+                  <a:srgbClr val="FFFFFF"/>
+                </a:solidFill>
+              </a:rPr>
+              <a:pPr>
+                <a:spcAft>
+                  <a:spcPts val="600"/>
+                </a:spcAft>
+              </a:pPr>
+              <a:t>8/10/20</a:t>
+            </a:fld>
+            <a:endParaRPr lang="en-US">
+              <a:solidFill>
+                <a:srgbClr val="FFFFFF"/>
+              </a:solidFill>
+            </a:endParaRPr>
+          </a:p>
+        </p:txBody>
+      </p:sp>
+      <p:sp>
+        <p:nvSpPr>
+          <p:cNvPr id="5" name="Footer Placeholder 4">
+            <a:extLst>
+              <a:ext uri="{FF2B5EF4-FFF2-40B4-BE49-F238E27FC236}">
+                <a16:creationId xmlns:a16="http://schemas.microsoft.com/office/drawing/2014/main" id="{AAA79E73-7D28-9B47-B2DD-090D9A3943A1}"/>
+              </a:ext>
+            </a:extLst>
+          </p:cNvPr>
+          <p:cNvSpPr>
+            <a:spLocks noGrp="1"/>
+          </p:cNvSpPr>
+          <p:nvPr>
+            <p:ph type="ftr" sz="quarter" idx="11"/>
+          </p:nvPr>
+        </p:nvSpPr>
+        <p:spPr>
+          <a:xfrm>
+            <a:off x="4116613" y="6356350"/>
+            <a:ext cx="7032172" cy="365125"/>
+          </a:xfrm>
+        </p:spPr>
+        <p:txBody>
+          <a:bodyPr vert="horz" lIns="91440" tIns="45720" rIns="91440" bIns="45720" rtlCol="0" anchor="ctr">
+            <a:normAutofit/>
+          </a:bodyPr>
+          <a:lstStyle/>
+          <a:p>
+            <a:pPr>
+              <a:spcAft>
+                <a:spcPts val="600"/>
+              </a:spcAft>
+            </a:pPr>
+            <a:r>
+              <a:rPr lang="en-US" kern="1200">
+                <a:solidFill>
+                  <a:srgbClr val="898989"/>
+                </a:solidFill>
+                <a:latin typeface="+mn-lt"/>
+                <a:ea typeface="+mn-ea"/>
+                <a:cs typeface="+mn-cs"/>
+              </a:rPr>
+              <a:t>TOTAL TECHNOLOGY </a:t>
+            </a:r>
+          </a:p>
+        </p:txBody>
+      </p:sp>
+      <p:sp>
+        <p:nvSpPr>
+          <p:cNvPr id="6" name="Slide Number Placeholder 5">
+            <a:extLst>
+              <a:ext uri="{FF2B5EF4-FFF2-40B4-BE49-F238E27FC236}">
+                <a16:creationId xmlns:a16="http://schemas.microsoft.com/office/drawing/2014/main" id="{8B83974F-3AC1-E441-93ED-47920D256F14}"/>
+              </a:ext>
+            </a:extLst>
+          </p:cNvPr>
+          <p:cNvSpPr>
+            <a:spLocks noGrp="1"/>
+          </p:cNvSpPr>
+          <p:nvPr>
+            <p:ph type="sldNum" sz="quarter" idx="12"/>
+          </p:nvPr>
+        </p:nvSpPr>
+        <p:spPr>
+          <a:xfrm>
+            <a:off x="11310257" y="6356350"/>
+            <a:ext cx="560009" cy="365125"/>
+          </a:xfrm>
+        </p:spPr>
+        <p:txBody>
+          <a:bodyPr vert="horz" lIns="91440" tIns="45720" rIns="91440" bIns="45720" rtlCol="0" anchor="ctr">
+            <a:normAutofit/>
+          </a:bodyPr>
+          <a:lstStyle/>
+          <a:p>
+            <a:pPr>
+              <a:spcAft>
+                <a:spcPts val="600"/>
+              </a:spcAft>
+            </a:pPr>
+            <a:fld id="{3276C40E-97DB-2248-A55E-B7EA991DACFB}" type="slidenum">
+              <a:rPr lang="en-US">
+                <a:solidFill>
+                  <a:srgbClr val="898989"/>
+                </a:solidFill>
+              </a:rPr>
+              <a:pPr>
+                <a:spcAft>
+                  <a:spcPts val="600"/>
+                </a:spcAft>
+              </a:pPr>
+              <a:t>5</a:t>
             </a:fld>
             <a:endParaRPr lang="en-US">
               <a:solidFill>
